--- a/wb materialize/images/special_icons.pptx
+++ b/wb materialize/images/special_icons.pptx
@@ -6,12 +6,13 @@
   </p:sldMasterIdLst>
   <p:sldIdLst>
     <p:sldId id="256" r:id="rId2"/>
-    <p:sldId id="257" r:id="rId3"/>
-    <p:sldId id="258" r:id="rId4"/>
-    <p:sldId id="260" r:id="rId5"/>
-    <p:sldId id="259" r:id="rId6"/>
-    <p:sldId id="261" r:id="rId7"/>
-    <p:sldId id="262" r:id="rId8"/>
+    <p:sldId id="264" r:id="rId3"/>
+    <p:sldId id="257" r:id="rId4"/>
+    <p:sldId id="258" r:id="rId5"/>
+    <p:sldId id="260" r:id="rId6"/>
+    <p:sldId id="259" r:id="rId7"/>
+    <p:sldId id="261" r:id="rId8"/>
+    <p:sldId id="262" r:id="rId9"/>
   </p:sldIdLst>
   <p:sldSz cx="12192000" cy="6858000"/>
   <p:notesSz cx="6858000" cy="9144000"/>
@@ -265,7 +266,7 @@
           <a:p>
             <a:fld id="{8F47D735-C5BF-493D-B506-ABEA7328EB4C}" type="datetimeFigureOut">
               <a:rPr lang="en-US" smtClean="0"/>
-              <a:t>5/23/2021</a:t>
+              <a:t>9/9/2021</a:t>
             </a:fld>
             <a:endParaRPr lang="en-US"/>
           </a:p>
@@ -463,7 +464,7 @@
           <a:p>
             <a:fld id="{8F47D735-C5BF-493D-B506-ABEA7328EB4C}" type="datetimeFigureOut">
               <a:rPr lang="en-US" smtClean="0"/>
-              <a:t>5/23/2021</a:t>
+              <a:t>9/9/2021</a:t>
             </a:fld>
             <a:endParaRPr lang="en-US"/>
           </a:p>
@@ -671,7 +672,7 @@
           <a:p>
             <a:fld id="{8F47D735-C5BF-493D-B506-ABEA7328EB4C}" type="datetimeFigureOut">
               <a:rPr lang="en-US" smtClean="0"/>
-              <a:t>5/23/2021</a:t>
+              <a:t>9/9/2021</a:t>
             </a:fld>
             <a:endParaRPr lang="en-US"/>
           </a:p>
@@ -869,7 +870,7 @@
           <a:p>
             <a:fld id="{8F47D735-C5BF-493D-B506-ABEA7328EB4C}" type="datetimeFigureOut">
               <a:rPr lang="en-US" smtClean="0"/>
-              <a:t>5/23/2021</a:t>
+              <a:t>9/9/2021</a:t>
             </a:fld>
             <a:endParaRPr lang="en-US"/>
           </a:p>
@@ -1144,7 +1145,7 @@
           <a:p>
             <a:fld id="{8F47D735-C5BF-493D-B506-ABEA7328EB4C}" type="datetimeFigureOut">
               <a:rPr lang="en-US" smtClean="0"/>
-              <a:t>5/23/2021</a:t>
+              <a:t>9/9/2021</a:t>
             </a:fld>
             <a:endParaRPr lang="en-US"/>
           </a:p>
@@ -1409,7 +1410,7 @@
           <a:p>
             <a:fld id="{8F47D735-C5BF-493D-B506-ABEA7328EB4C}" type="datetimeFigureOut">
               <a:rPr lang="en-US" smtClean="0"/>
-              <a:t>5/23/2021</a:t>
+              <a:t>9/9/2021</a:t>
             </a:fld>
             <a:endParaRPr lang="en-US"/>
           </a:p>
@@ -1821,7 +1822,7 @@
           <a:p>
             <a:fld id="{8F47D735-C5BF-493D-B506-ABEA7328EB4C}" type="datetimeFigureOut">
               <a:rPr lang="en-US" smtClean="0"/>
-              <a:t>5/23/2021</a:t>
+              <a:t>9/9/2021</a:t>
             </a:fld>
             <a:endParaRPr lang="en-US"/>
           </a:p>
@@ -1962,7 +1963,7 @@
           <a:p>
             <a:fld id="{8F47D735-C5BF-493D-B506-ABEA7328EB4C}" type="datetimeFigureOut">
               <a:rPr lang="en-US" smtClean="0"/>
-              <a:t>5/23/2021</a:t>
+              <a:t>9/9/2021</a:t>
             </a:fld>
             <a:endParaRPr lang="en-US"/>
           </a:p>
@@ -2075,7 +2076,7 @@
           <a:p>
             <a:fld id="{8F47D735-C5BF-493D-B506-ABEA7328EB4C}" type="datetimeFigureOut">
               <a:rPr lang="en-US" smtClean="0"/>
-              <a:t>5/23/2021</a:t>
+              <a:t>9/9/2021</a:t>
             </a:fld>
             <a:endParaRPr lang="en-US"/>
           </a:p>
@@ -2386,7 +2387,7 @@
           <a:p>
             <a:fld id="{8F47D735-C5BF-493D-B506-ABEA7328EB4C}" type="datetimeFigureOut">
               <a:rPr lang="en-US" smtClean="0"/>
-              <a:t>5/23/2021</a:t>
+              <a:t>9/9/2021</a:t>
             </a:fld>
             <a:endParaRPr lang="en-US"/>
           </a:p>
@@ -2674,7 +2675,7 @@
           <a:p>
             <a:fld id="{8F47D735-C5BF-493D-B506-ABEA7328EB4C}" type="datetimeFigureOut">
               <a:rPr lang="en-US" smtClean="0"/>
-              <a:t>5/23/2021</a:t>
+              <a:t>9/9/2021</a:t>
             </a:fld>
             <a:endParaRPr lang="en-US"/>
           </a:p>
@@ -2915,7 +2916,7 @@
           <a:p>
             <a:fld id="{8F47D735-C5BF-493D-B506-ABEA7328EB4C}" type="datetimeFigureOut">
               <a:rPr lang="en-US" smtClean="0"/>
-              <a:t>5/23/2021</a:t>
+              <a:t>9/9/2021</a:t>
             </a:fld>
             <a:endParaRPr lang="en-US"/>
           </a:p>
@@ -4688,9 +4689,6 @@
           <a:prstGeom prst="rect">
             <a:avLst/>
           </a:prstGeom>
-          <a:solidFill>
-            <a:schemeClr val="accent2"/>
-          </a:solidFill>
           <a:ln>
             <a:noFill/>
           </a:ln>
@@ -4722,7 +4720,7 @@
       </p:sp>
       <p:pic>
         <p:nvPicPr>
-          <p:cNvPr id="5" name="Graphic 4" descr="Star with solid fill">
+          <p:cNvPr id="5" name="Graphic 4" descr="Toy Train with solid fill">
             <a:extLst>
               <a:ext uri="{FF2B5EF4-FFF2-40B4-BE49-F238E27FC236}">
                 <a16:creationId xmlns:a16="http://schemas.microsoft.com/office/drawing/2014/main" id="{3A860348-9998-4664-80FC-6B3D7B51F634}"/>
@@ -4745,9 +4743,8 @@
               </a:ext>
             </a:extLst>
           </a:blip>
-          <a:stretch>
-            <a:fillRect/>
-          </a:stretch>
+          <a:srcRect/>
+          <a:stretch/>
         </p:blipFill>
         <p:spPr>
           <a:xfrm>
@@ -4779,9 +4776,6 @@
           <a:prstGeom prst="rect">
             <a:avLst/>
           </a:prstGeom>
-          <a:solidFill>
-            <a:schemeClr val="accent2"/>
-          </a:solidFill>
           <a:ln>
             <a:noFill/>
           </a:ln>
@@ -4813,7 +4807,7 @@
       </p:sp>
       <p:pic>
         <p:nvPicPr>
-          <p:cNvPr id="8" name="Graphic 7" descr="Paper with solid fill">
+          <p:cNvPr id="8" name="Graphic 7" descr="Bus with solid fill">
             <a:extLst>
               <a:ext uri="{FF2B5EF4-FFF2-40B4-BE49-F238E27FC236}">
                 <a16:creationId xmlns:a16="http://schemas.microsoft.com/office/drawing/2014/main" id="{9D32A834-E9B2-4220-B902-3AC4A7542C7C}"/>
@@ -4869,9 +4863,6 @@
           <a:prstGeom prst="rect">
             <a:avLst/>
           </a:prstGeom>
-          <a:solidFill>
-            <a:schemeClr val="accent2"/>
-          </a:solidFill>
           <a:ln>
             <a:noFill/>
           </a:ln>
@@ -4903,7 +4894,7 @@
       </p:sp>
       <p:pic>
         <p:nvPicPr>
-          <p:cNvPr id="11" name="Graphic 10" descr="Signal with solid fill">
+          <p:cNvPr id="11" name="Graphic 10" descr="Traffic light with solid fill">
             <a:extLst>
               <a:ext uri="{FF2B5EF4-FFF2-40B4-BE49-F238E27FC236}">
                 <a16:creationId xmlns:a16="http://schemas.microsoft.com/office/drawing/2014/main" id="{27D2BC01-36C4-4AD6-8194-559ED23EBE4E}"/>
@@ -4959,9 +4950,6 @@
           <a:prstGeom prst="rect">
             <a:avLst/>
           </a:prstGeom>
-          <a:solidFill>
-            <a:schemeClr val="accent2"/>
-          </a:solidFill>
           <a:ln>
             <a:noFill/>
           </a:ln>
@@ -5049,9 +5037,6 @@
           <a:prstGeom prst="rect">
             <a:avLst/>
           </a:prstGeom>
-          <a:solidFill>
-            <a:schemeClr val="accent2"/>
-          </a:solidFill>
           <a:ln>
             <a:noFill/>
           </a:ln>
@@ -5083,7 +5068,7 @@
       </p:sp>
       <p:pic>
         <p:nvPicPr>
-          <p:cNvPr id="15" name="Graphic 14" descr="Inbox Check with solid fill">
+          <p:cNvPr id="15" name="Graphic 14" descr="Warning with solid fill">
             <a:extLst>
               <a:ext uri="{FF2B5EF4-FFF2-40B4-BE49-F238E27FC236}">
                 <a16:creationId xmlns:a16="http://schemas.microsoft.com/office/drawing/2014/main" id="{DE499DA5-9BAE-4DE6-B8BA-C5B10F037FAA}"/>
@@ -5139,9 +5124,6 @@
           <a:prstGeom prst="rect">
             <a:avLst/>
           </a:prstGeom>
-          <a:solidFill>
-            <a:schemeClr val="accent2"/>
-          </a:solidFill>
           <a:ln>
             <a:noFill/>
           </a:ln>
@@ -5229,9 +5211,6 @@
           <a:prstGeom prst="rect">
             <a:avLst/>
           </a:prstGeom>
-          <a:solidFill>
-            <a:schemeClr val="accent2"/>
-          </a:solidFill>
           <a:ln>
             <a:noFill/>
           </a:ln>
@@ -5319,9 +5298,6 @@
           <a:prstGeom prst="rect">
             <a:avLst/>
           </a:prstGeom>
-          <a:solidFill>
-            <a:schemeClr val="accent2"/>
-          </a:solidFill>
           <a:ln>
             <a:noFill/>
           </a:ln>
@@ -5409,9 +5385,6 @@
           <a:prstGeom prst="rect">
             <a:avLst/>
           </a:prstGeom>
-          <a:solidFill>
-            <a:schemeClr val="accent2"/>
-          </a:solidFill>
           <a:ln>
             <a:noFill/>
           </a:ln>
@@ -5499,9 +5472,6 @@
           <a:prstGeom prst="rect">
             <a:avLst/>
           </a:prstGeom>
-          <a:solidFill>
-            <a:schemeClr val="accent2"/>
-          </a:solidFill>
           <a:ln>
             <a:noFill/>
           </a:ln>
@@ -5589,9 +5559,6 @@
           <a:prstGeom prst="rect">
             <a:avLst/>
           </a:prstGeom>
-          <a:solidFill>
-            <a:schemeClr val="accent2"/>
-          </a:solidFill>
           <a:ln>
             <a:noFill/>
           </a:ln>
@@ -5679,9 +5646,6 @@
           <a:prstGeom prst="rect">
             <a:avLst/>
           </a:prstGeom>
-          <a:solidFill>
-            <a:schemeClr val="accent2"/>
-          </a:solidFill>
           <a:ln>
             <a:noFill/>
           </a:ln>
@@ -5769,9 +5733,6 @@
           <a:prstGeom prst="rect">
             <a:avLst/>
           </a:prstGeom>
-          <a:solidFill>
-            <a:schemeClr val="accent2"/>
-          </a:solidFill>
           <a:ln>
             <a:noFill/>
           </a:ln>
@@ -5859,9 +5820,6 @@
           <a:prstGeom prst="rect">
             <a:avLst/>
           </a:prstGeom>
-          <a:solidFill>
-            <a:schemeClr val="accent2"/>
-          </a:solidFill>
           <a:ln>
             <a:noFill/>
           </a:ln>
@@ -5949,9 +5907,6 @@
           <a:prstGeom prst="rect">
             <a:avLst/>
           </a:prstGeom>
-          <a:solidFill>
-            <a:schemeClr val="accent2"/>
-          </a:solidFill>
           <a:ln>
             <a:noFill/>
           </a:ln>
@@ -6022,7 +5977,7 @@
     </p:spTree>
     <p:extLst>
       <p:ext uri="{BB962C8B-B14F-4D97-AF65-F5344CB8AC3E}">
-        <p14:creationId xmlns:p14="http://schemas.microsoft.com/office/powerpoint/2010/main" val="1552769965"/>
+        <p14:creationId xmlns:p14="http://schemas.microsoft.com/office/powerpoint/2010/main" val="1524940185"/>
       </p:ext>
     </p:extLst>
   </p:cSld>
@@ -6070,10 +6025,7 @@
             <a:avLst/>
           </a:prstGeom>
           <a:solidFill>
-            <a:schemeClr val="tx1">
-              <a:lumMod val="50000"/>
-              <a:lumOff val="50000"/>
-            </a:schemeClr>
+            <a:schemeClr val="accent2"/>
           </a:solidFill>
           <a:ln>
             <a:noFill/>
@@ -6164,10 +6116,7 @@
             <a:avLst/>
           </a:prstGeom>
           <a:solidFill>
-            <a:schemeClr val="tx1">
-              <a:lumMod val="50000"/>
-              <a:lumOff val="50000"/>
-            </a:schemeClr>
+            <a:schemeClr val="accent2"/>
           </a:solidFill>
           <a:ln>
             <a:noFill/>
@@ -6257,10 +6206,7 @@
             <a:avLst/>
           </a:prstGeom>
           <a:solidFill>
-            <a:schemeClr val="tx1">
-              <a:lumMod val="50000"/>
-              <a:lumOff val="50000"/>
-            </a:schemeClr>
+            <a:schemeClr val="accent2"/>
           </a:solidFill>
           <a:ln>
             <a:noFill/>
@@ -6350,10 +6296,7 @@
             <a:avLst/>
           </a:prstGeom>
           <a:solidFill>
-            <a:schemeClr val="tx1">
-              <a:lumMod val="50000"/>
-              <a:lumOff val="50000"/>
-            </a:schemeClr>
+            <a:schemeClr val="accent2"/>
           </a:solidFill>
           <a:ln>
             <a:noFill/>
@@ -6443,10 +6386,7 @@
             <a:avLst/>
           </a:prstGeom>
           <a:solidFill>
-            <a:schemeClr val="tx1">
-              <a:lumMod val="50000"/>
-              <a:lumOff val="50000"/>
-            </a:schemeClr>
+            <a:schemeClr val="accent2"/>
           </a:solidFill>
           <a:ln>
             <a:noFill/>
@@ -6536,10 +6476,7 @@
             <a:avLst/>
           </a:prstGeom>
           <a:solidFill>
-            <a:schemeClr val="tx1">
-              <a:lumMod val="50000"/>
-              <a:lumOff val="50000"/>
-            </a:schemeClr>
+            <a:schemeClr val="accent2"/>
           </a:solidFill>
           <a:ln>
             <a:noFill/>
@@ -6629,10 +6566,7 @@
             <a:avLst/>
           </a:prstGeom>
           <a:solidFill>
-            <a:schemeClr val="tx1">
-              <a:lumMod val="50000"/>
-              <a:lumOff val="50000"/>
-            </a:schemeClr>
+            <a:schemeClr val="accent2"/>
           </a:solidFill>
           <a:ln>
             <a:noFill/>
@@ -6722,10 +6656,7 @@
             <a:avLst/>
           </a:prstGeom>
           <a:solidFill>
-            <a:schemeClr val="tx1">
-              <a:lumMod val="50000"/>
-              <a:lumOff val="50000"/>
-            </a:schemeClr>
+            <a:schemeClr val="accent2"/>
           </a:solidFill>
           <a:ln>
             <a:noFill/>
@@ -6815,10 +6746,7 @@
             <a:avLst/>
           </a:prstGeom>
           <a:solidFill>
-            <a:schemeClr val="tx1">
-              <a:lumMod val="50000"/>
-              <a:lumOff val="50000"/>
-            </a:schemeClr>
+            <a:schemeClr val="accent2"/>
           </a:solidFill>
           <a:ln>
             <a:noFill/>
@@ -6908,10 +6836,7 @@
             <a:avLst/>
           </a:prstGeom>
           <a:solidFill>
-            <a:schemeClr val="tx1">
-              <a:lumMod val="50000"/>
-              <a:lumOff val="50000"/>
-            </a:schemeClr>
+            <a:schemeClr val="accent2"/>
           </a:solidFill>
           <a:ln>
             <a:noFill/>
@@ -7001,10 +6926,7 @@
             <a:avLst/>
           </a:prstGeom>
           <a:solidFill>
-            <a:schemeClr val="tx1">
-              <a:lumMod val="50000"/>
-              <a:lumOff val="50000"/>
-            </a:schemeClr>
+            <a:schemeClr val="accent2"/>
           </a:solidFill>
           <a:ln>
             <a:noFill/>
@@ -7094,10 +7016,7 @@
             <a:avLst/>
           </a:prstGeom>
           <a:solidFill>
-            <a:schemeClr val="tx1">
-              <a:lumMod val="50000"/>
-              <a:lumOff val="50000"/>
-            </a:schemeClr>
+            <a:schemeClr val="accent2"/>
           </a:solidFill>
           <a:ln>
             <a:noFill/>
@@ -7187,10 +7106,7 @@
             <a:avLst/>
           </a:prstGeom>
           <a:solidFill>
-            <a:schemeClr val="tx1">
-              <a:lumMod val="50000"/>
-              <a:lumOff val="50000"/>
-            </a:schemeClr>
+            <a:schemeClr val="accent2"/>
           </a:solidFill>
           <a:ln>
             <a:noFill/>
@@ -7280,10 +7196,7 @@
             <a:avLst/>
           </a:prstGeom>
           <a:solidFill>
-            <a:schemeClr val="tx1">
-              <a:lumMod val="50000"/>
-              <a:lumOff val="50000"/>
-            </a:schemeClr>
+            <a:schemeClr val="accent2"/>
           </a:solidFill>
           <a:ln>
             <a:noFill/>
@@ -7373,10 +7286,7 @@
             <a:avLst/>
           </a:prstGeom>
           <a:solidFill>
-            <a:schemeClr val="tx1">
-              <a:lumMod val="50000"/>
-              <a:lumOff val="50000"/>
-            </a:schemeClr>
+            <a:schemeClr val="accent2"/>
           </a:solidFill>
           <a:ln>
             <a:noFill/>
@@ -7448,7 +7358,7 @@
     </p:spTree>
     <p:extLst>
       <p:ext uri="{BB962C8B-B14F-4D97-AF65-F5344CB8AC3E}">
-        <p14:creationId xmlns:p14="http://schemas.microsoft.com/office/powerpoint/2010/main" val="586924717"/>
+        <p14:creationId xmlns:p14="http://schemas.microsoft.com/office/powerpoint/2010/main" val="1552769965"/>
       </p:ext>
     </p:extLst>
   </p:cSld>
@@ -7496,8 +7406,9 @@
             <a:avLst/>
           </a:prstGeom>
           <a:solidFill>
-            <a:schemeClr val="bg1">
-              <a:lumMod val="85000"/>
+            <a:schemeClr val="tx1">
+              <a:lumMod val="50000"/>
+              <a:lumOff val="50000"/>
             </a:schemeClr>
           </a:solidFill>
           <a:ln>
@@ -7589,8 +7500,9 @@
             <a:avLst/>
           </a:prstGeom>
           <a:solidFill>
-            <a:schemeClr val="bg1">
-              <a:lumMod val="85000"/>
+            <a:schemeClr val="tx1">
+              <a:lumMod val="50000"/>
+              <a:lumOff val="50000"/>
             </a:schemeClr>
           </a:solidFill>
           <a:ln>
@@ -7681,8 +7593,9 @@
             <a:avLst/>
           </a:prstGeom>
           <a:solidFill>
-            <a:schemeClr val="bg1">
-              <a:lumMod val="85000"/>
+            <a:schemeClr val="tx1">
+              <a:lumMod val="50000"/>
+              <a:lumOff val="50000"/>
             </a:schemeClr>
           </a:solidFill>
           <a:ln>
@@ -7773,8 +7686,9 @@
             <a:avLst/>
           </a:prstGeom>
           <a:solidFill>
-            <a:schemeClr val="bg1">
-              <a:lumMod val="85000"/>
+            <a:schemeClr val="tx1">
+              <a:lumMod val="50000"/>
+              <a:lumOff val="50000"/>
             </a:schemeClr>
           </a:solidFill>
           <a:ln>
@@ -7865,8 +7779,9 @@
             <a:avLst/>
           </a:prstGeom>
           <a:solidFill>
-            <a:schemeClr val="bg1">
-              <a:lumMod val="85000"/>
+            <a:schemeClr val="tx1">
+              <a:lumMod val="50000"/>
+              <a:lumOff val="50000"/>
             </a:schemeClr>
           </a:solidFill>
           <a:ln>
@@ -7957,8 +7872,9 @@
             <a:avLst/>
           </a:prstGeom>
           <a:solidFill>
-            <a:schemeClr val="bg1">
-              <a:lumMod val="85000"/>
+            <a:schemeClr val="tx1">
+              <a:lumMod val="50000"/>
+              <a:lumOff val="50000"/>
             </a:schemeClr>
           </a:solidFill>
           <a:ln>
@@ -8049,8 +7965,9 @@
             <a:avLst/>
           </a:prstGeom>
           <a:solidFill>
-            <a:schemeClr val="bg1">
-              <a:lumMod val="85000"/>
+            <a:schemeClr val="tx1">
+              <a:lumMod val="50000"/>
+              <a:lumOff val="50000"/>
             </a:schemeClr>
           </a:solidFill>
           <a:ln>
@@ -8141,8 +8058,9 @@
             <a:avLst/>
           </a:prstGeom>
           <a:solidFill>
-            <a:schemeClr val="bg1">
-              <a:lumMod val="85000"/>
+            <a:schemeClr val="tx1">
+              <a:lumMod val="50000"/>
+              <a:lumOff val="50000"/>
             </a:schemeClr>
           </a:solidFill>
           <a:ln>
@@ -8233,8 +8151,9 @@
             <a:avLst/>
           </a:prstGeom>
           <a:solidFill>
-            <a:schemeClr val="bg1">
-              <a:lumMod val="85000"/>
+            <a:schemeClr val="tx1">
+              <a:lumMod val="50000"/>
+              <a:lumOff val="50000"/>
             </a:schemeClr>
           </a:solidFill>
           <a:ln>
@@ -8325,8 +8244,9 @@
             <a:avLst/>
           </a:prstGeom>
           <a:solidFill>
-            <a:schemeClr val="bg1">
-              <a:lumMod val="85000"/>
+            <a:schemeClr val="tx1">
+              <a:lumMod val="50000"/>
+              <a:lumOff val="50000"/>
             </a:schemeClr>
           </a:solidFill>
           <a:ln>
@@ -8417,8 +8337,9 @@
             <a:avLst/>
           </a:prstGeom>
           <a:solidFill>
-            <a:schemeClr val="bg1">
-              <a:lumMod val="85000"/>
+            <a:schemeClr val="tx1">
+              <a:lumMod val="50000"/>
+              <a:lumOff val="50000"/>
             </a:schemeClr>
           </a:solidFill>
           <a:ln>
@@ -8509,8 +8430,9 @@
             <a:avLst/>
           </a:prstGeom>
           <a:solidFill>
-            <a:schemeClr val="bg1">
-              <a:lumMod val="85000"/>
+            <a:schemeClr val="tx1">
+              <a:lumMod val="50000"/>
+              <a:lumOff val="50000"/>
             </a:schemeClr>
           </a:solidFill>
           <a:ln>
@@ -8601,8 +8523,9 @@
             <a:avLst/>
           </a:prstGeom>
           <a:solidFill>
-            <a:schemeClr val="bg1">
-              <a:lumMod val="85000"/>
+            <a:schemeClr val="tx1">
+              <a:lumMod val="50000"/>
+              <a:lumOff val="50000"/>
             </a:schemeClr>
           </a:solidFill>
           <a:ln>
@@ -8693,8 +8616,9 @@
             <a:avLst/>
           </a:prstGeom>
           <a:solidFill>
-            <a:schemeClr val="bg1">
-              <a:lumMod val="85000"/>
+            <a:schemeClr val="tx1">
+              <a:lumMod val="50000"/>
+              <a:lumOff val="50000"/>
             </a:schemeClr>
           </a:solidFill>
           <a:ln>
@@ -8785,8 +8709,9 @@
             <a:avLst/>
           </a:prstGeom>
           <a:solidFill>
-            <a:schemeClr val="bg1">
-              <a:lumMod val="85000"/>
+            <a:schemeClr val="tx1">
+              <a:lumMod val="50000"/>
+              <a:lumOff val="50000"/>
             </a:schemeClr>
           </a:solidFill>
           <a:ln>
@@ -8859,7 +8784,7 @@
     </p:spTree>
     <p:extLst>
       <p:ext uri="{BB962C8B-B14F-4D97-AF65-F5344CB8AC3E}">
-        <p14:creationId xmlns:p14="http://schemas.microsoft.com/office/powerpoint/2010/main" val="2590513472"/>
+        <p14:creationId xmlns:p14="http://schemas.microsoft.com/office/powerpoint/2010/main" val="586924717"/>
       </p:ext>
     </p:extLst>
   </p:cSld>
@@ -8907,7 +8832,9 @@
             <a:avLst/>
           </a:prstGeom>
           <a:solidFill>
-            <a:schemeClr val="accent4"/>
+            <a:schemeClr val="bg1">
+              <a:lumMod val="85000"/>
+            </a:schemeClr>
           </a:solidFill>
           <a:ln>
             <a:noFill/>
@@ -8998,7 +8925,9 @@
             <a:avLst/>
           </a:prstGeom>
           <a:solidFill>
-            <a:schemeClr val="accent4"/>
+            <a:schemeClr val="bg1">
+              <a:lumMod val="85000"/>
+            </a:schemeClr>
           </a:solidFill>
           <a:ln>
             <a:noFill/>
@@ -9088,7 +9017,9 @@
             <a:avLst/>
           </a:prstGeom>
           <a:solidFill>
-            <a:schemeClr val="accent4"/>
+            <a:schemeClr val="bg1">
+              <a:lumMod val="85000"/>
+            </a:schemeClr>
           </a:solidFill>
           <a:ln>
             <a:noFill/>
@@ -9178,7 +9109,9 @@
             <a:avLst/>
           </a:prstGeom>
           <a:solidFill>
-            <a:schemeClr val="accent4"/>
+            <a:schemeClr val="bg1">
+              <a:lumMod val="85000"/>
+            </a:schemeClr>
           </a:solidFill>
           <a:ln>
             <a:noFill/>
@@ -9268,7 +9201,9 @@
             <a:avLst/>
           </a:prstGeom>
           <a:solidFill>
-            <a:schemeClr val="accent4"/>
+            <a:schemeClr val="bg1">
+              <a:lumMod val="85000"/>
+            </a:schemeClr>
           </a:solidFill>
           <a:ln>
             <a:noFill/>
@@ -9358,7 +9293,9 @@
             <a:avLst/>
           </a:prstGeom>
           <a:solidFill>
-            <a:schemeClr val="accent4"/>
+            <a:schemeClr val="bg1">
+              <a:lumMod val="85000"/>
+            </a:schemeClr>
           </a:solidFill>
           <a:ln>
             <a:noFill/>
@@ -9448,7 +9385,9 @@
             <a:avLst/>
           </a:prstGeom>
           <a:solidFill>
-            <a:schemeClr val="accent4"/>
+            <a:schemeClr val="bg1">
+              <a:lumMod val="85000"/>
+            </a:schemeClr>
           </a:solidFill>
           <a:ln>
             <a:noFill/>
@@ -9538,7 +9477,9 @@
             <a:avLst/>
           </a:prstGeom>
           <a:solidFill>
-            <a:schemeClr val="accent4"/>
+            <a:schemeClr val="bg1">
+              <a:lumMod val="85000"/>
+            </a:schemeClr>
           </a:solidFill>
           <a:ln>
             <a:noFill/>
@@ -9628,7 +9569,9 @@
             <a:avLst/>
           </a:prstGeom>
           <a:solidFill>
-            <a:schemeClr val="accent4"/>
+            <a:schemeClr val="bg1">
+              <a:lumMod val="85000"/>
+            </a:schemeClr>
           </a:solidFill>
           <a:ln>
             <a:noFill/>
@@ -9718,7 +9661,9 @@
             <a:avLst/>
           </a:prstGeom>
           <a:solidFill>
-            <a:schemeClr val="accent4"/>
+            <a:schemeClr val="bg1">
+              <a:lumMod val="85000"/>
+            </a:schemeClr>
           </a:solidFill>
           <a:ln>
             <a:noFill/>
@@ -9808,7 +9753,9 @@
             <a:avLst/>
           </a:prstGeom>
           <a:solidFill>
-            <a:schemeClr val="accent4"/>
+            <a:schemeClr val="bg1">
+              <a:lumMod val="85000"/>
+            </a:schemeClr>
           </a:solidFill>
           <a:ln>
             <a:noFill/>
@@ -9898,7 +9845,9 @@
             <a:avLst/>
           </a:prstGeom>
           <a:solidFill>
-            <a:schemeClr val="accent4"/>
+            <a:schemeClr val="bg1">
+              <a:lumMod val="85000"/>
+            </a:schemeClr>
           </a:solidFill>
           <a:ln>
             <a:noFill/>
@@ -9988,7 +9937,9 @@
             <a:avLst/>
           </a:prstGeom>
           <a:solidFill>
-            <a:schemeClr val="accent4"/>
+            <a:schemeClr val="bg1">
+              <a:lumMod val="85000"/>
+            </a:schemeClr>
           </a:solidFill>
           <a:ln>
             <a:noFill/>
@@ -10078,7 +10029,9 @@
             <a:avLst/>
           </a:prstGeom>
           <a:solidFill>
-            <a:schemeClr val="accent4"/>
+            <a:schemeClr val="bg1">
+              <a:lumMod val="85000"/>
+            </a:schemeClr>
           </a:solidFill>
           <a:ln>
             <a:noFill/>
@@ -10168,7 +10121,9 @@
             <a:avLst/>
           </a:prstGeom>
           <a:solidFill>
-            <a:schemeClr val="accent4"/>
+            <a:schemeClr val="bg1">
+              <a:lumMod val="85000"/>
+            </a:schemeClr>
           </a:solidFill>
           <a:ln>
             <a:noFill/>
@@ -10240,7 +10195,7 @@
     </p:spTree>
     <p:extLst>
       <p:ext uri="{BB962C8B-B14F-4D97-AF65-F5344CB8AC3E}">
-        <p14:creationId xmlns:p14="http://schemas.microsoft.com/office/powerpoint/2010/main" val="2072505295"/>
+        <p14:creationId xmlns:p14="http://schemas.microsoft.com/office/powerpoint/2010/main" val="2590513472"/>
       </p:ext>
     </p:extLst>
   </p:cSld>
@@ -10288,6 +10243,1387 @@
             <a:avLst/>
           </a:prstGeom>
           <a:solidFill>
+            <a:schemeClr val="accent4"/>
+          </a:solidFill>
+          <a:ln>
+            <a:noFill/>
+          </a:ln>
+        </p:spPr>
+        <p:style>
+          <a:lnRef idx="2">
+            <a:schemeClr val="accent1">
+              <a:shade val="50000"/>
+            </a:schemeClr>
+          </a:lnRef>
+          <a:fillRef idx="1">
+            <a:schemeClr val="accent1"/>
+          </a:fillRef>
+          <a:effectRef idx="0">
+            <a:schemeClr val="accent1"/>
+          </a:effectRef>
+          <a:fontRef idx="minor">
+            <a:schemeClr val="lt1"/>
+          </a:fontRef>
+        </p:style>
+        <p:txBody>
+          <a:bodyPr rtlCol="0" anchor="ctr"/>
+          <a:lstStyle/>
+          <a:p>
+            <a:pPr algn="ctr"/>
+            <a:endParaRPr lang="en-US"/>
+          </a:p>
+        </p:txBody>
+      </p:sp>
+      <p:pic>
+        <p:nvPicPr>
+          <p:cNvPr id="5" name="Graphic 4" descr="Star with solid fill">
+            <a:extLst>
+              <a:ext uri="{FF2B5EF4-FFF2-40B4-BE49-F238E27FC236}">
+                <a16:creationId xmlns:a16="http://schemas.microsoft.com/office/drawing/2014/main" id="{3A860348-9998-4664-80FC-6B3D7B51F634}"/>
+              </a:ext>
+            </a:extLst>
+          </p:cNvPr>
+          <p:cNvPicPr>
+            <a:picLocks noChangeAspect="1"/>
+          </p:cNvPicPr>
+          <p:nvPr/>
+        </p:nvPicPr>
+        <p:blipFill>
+          <a:blip r:embed="rId2">
+            <a:extLst>
+              <a:ext uri="{28A0092B-C50C-407E-A947-70E740481C1C}">
+                <a14:useLocalDpi xmlns:a14="http://schemas.microsoft.com/office/drawing/2010/main" val="0"/>
+              </a:ext>
+              <a:ext uri="{96DAC541-7B7A-43D3-8B79-37D633B846F1}">
+                <asvg:svgBlip xmlns:asvg="http://schemas.microsoft.com/office/drawing/2016/SVG/main" r:embed="rId3"/>
+              </a:ext>
+            </a:extLst>
+          </a:blip>
+          <a:stretch>
+            <a:fillRect/>
+          </a:stretch>
+        </p:blipFill>
+        <p:spPr>
+          <a:xfrm>
+            <a:off x="392556" y="210121"/>
+            <a:ext cx="1828800" cy="1828800"/>
+          </a:xfrm>
+          <a:prstGeom prst="rect">
+            <a:avLst/>
+          </a:prstGeom>
+        </p:spPr>
+      </p:pic>
+      <p:sp>
+        <p:nvSpPr>
+          <p:cNvPr id="7" name="Rectangle 6">
+            <a:extLst>
+              <a:ext uri="{FF2B5EF4-FFF2-40B4-BE49-F238E27FC236}">
+                <a16:creationId xmlns:a16="http://schemas.microsoft.com/office/drawing/2014/main" id="{A31754CB-1381-45B7-AD0C-0F152229881B}"/>
+              </a:ext>
+            </a:extLst>
+          </p:cNvPr>
+          <p:cNvSpPr/>
+          <p:nvPr/>
+        </p:nvSpPr>
+        <p:spPr>
+          <a:xfrm>
+            <a:off x="2880193" y="224636"/>
+            <a:ext cx="1828800" cy="1828800"/>
+          </a:xfrm>
+          <a:prstGeom prst="rect">
+            <a:avLst/>
+          </a:prstGeom>
+          <a:solidFill>
+            <a:schemeClr val="accent4"/>
+          </a:solidFill>
+          <a:ln>
+            <a:noFill/>
+          </a:ln>
+        </p:spPr>
+        <p:style>
+          <a:lnRef idx="2">
+            <a:schemeClr val="accent1">
+              <a:shade val="50000"/>
+            </a:schemeClr>
+          </a:lnRef>
+          <a:fillRef idx="1">
+            <a:schemeClr val="accent1"/>
+          </a:fillRef>
+          <a:effectRef idx="0">
+            <a:schemeClr val="accent1"/>
+          </a:effectRef>
+          <a:fontRef idx="minor">
+            <a:schemeClr val="lt1"/>
+          </a:fontRef>
+        </p:style>
+        <p:txBody>
+          <a:bodyPr rtlCol="0" anchor="ctr"/>
+          <a:lstStyle/>
+          <a:p>
+            <a:pPr algn="ctr"/>
+            <a:endParaRPr lang="en-US"/>
+          </a:p>
+        </p:txBody>
+      </p:sp>
+      <p:pic>
+        <p:nvPicPr>
+          <p:cNvPr id="8" name="Graphic 7" descr="Paper with solid fill">
+            <a:extLst>
+              <a:ext uri="{FF2B5EF4-FFF2-40B4-BE49-F238E27FC236}">
+                <a16:creationId xmlns:a16="http://schemas.microsoft.com/office/drawing/2014/main" id="{9D32A834-E9B2-4220-B902-3AC4A7542C7C}"/>
+              </a:ext>
+            </a:extLst>
+          </p:cNvPr>
+          <p:cNvPicPr>
+            <a:picLocks noChangeAspect="1"/>
+          </p:cNvPicPr>
+          <p:nvPr/>
+        </p:nvPicPr>
+        <p:blipFill>
+          <a:blip r:embed="rId4">
+            <a:extLst>
+              <a:ext uri="{28A0092B-C50C-407E-A947-70E740481C1C}">
+                <a14:useLocalDpi xmlns:a14="http://schemas.microsoft.com/office/drawing/2010/main" val="0"/>
+              </a:ext>
+              <a:ext uri="{96DAC541-7B7A-43D3-8B79-37D633B846F1}">
+                <asvg:svgBlip xmlns:asvg="http://schemas.microsoft.com/office/drawing/2016/SVG/main" r:embed="rId5"/>
+              </a:ext>
+            </a:extLst>
+          </a:blip>
+          <a:srcRect/>
+          <a:stretch/>
+        </p:blipFill>
+        <p:spPr>
+          <a:xfrm>
+            <a:off x="2880193" y="210121"/>
+            <a:ext cx="1828800" cy="1828800"/>
+          </a:xfrm>
+          <a:prstGeom prst="rect">
+            <a:avLst/>
+          </a:prstGeom>
+        </p:spPr>
+      </p:pic>
+      <p:sp>
+        <p:nvSpPr>
+          <p:cNvPr id="10" name="Rectangle 9">
+            <a:extLst>
+              <a:ext uri="{FF2B5EF4-FFF2-40B4-BE49-F238E27FC236}">
+                <a16:creationId xmlns:a16="http://schemas.microsoft.com/office/drawing/2014/main" id="{590AA597-AC62-4FC1-B0BE-D99091DD0A7B}"/>
+              </a:ext>
+            </a:extLst>
+          </p:cNvPr>
+          <p:cNvSpPr/>
+          <p:nvPr/>
+        </p:nvSpPr>
+        <p:spPr>
+          <a:xfrm>
+            <a:off x="5367830" y="239151"/>
+            <a:ext cx="1828800" cy="1828800"/>
+          </a:xfrm>
+          <a:prstGeom prst="rect">
+            <a:avLst/>
+          </a:prstGeom>
+          <a:solidFill>
+            <a:schemeClr val="accent4"/>
+          </a:solidFill>
+          <a:ln>
+            <a:noFill/>
+          </a:ln>
+        </p:spPr>
+        <p:style>
+          <a:lnRef idx="2">
+            <a:schemeClr val="accent1">
+              <a:shade val="50000"/>
+            </a:schemeClr>
+          </a:lnRef>
+          <a:fillRef idx="1">
+            <a:schemeClr val="accent1"/>
+          </a:fillRef>
+          <a:effectRef idx="0">
+            <a:schemeClr val="accent1"/>
+          </a:effectRef>
+          <a:fontRef idx="minor">
+            <a:schemeClr val="lt1"/>
+          </a:fontRef>
+        </p:style>
+        <p:txBody>
+          <a:bodyPr rtlCol="0" anchor="ctr"/>
+          <a:lstStyle/>
+          <a:p>
+            <a:pPr algn="ctr"/>
+            <a:endParaRPr lang="en-US"/>
+          </a:p>
+        </p:txBody>
+      </p:sp>
+      <p:pic>
+        <p:nvPicPr>
+          <p:cNvPr id="11" name="Graphic 10" descr="Signal with solid fill">
+            <a:extLst>
+              <a:ext uri="{FF2B5EF4-FFF2-40B4-BE49-F238E27FC236}">
+                <a16:creationId xmlns:a16="http://schemas.microsoft.com/office/drawing/2014/main" id="{27D2BC01-36C4-4AD6-8194-559ED23EBE4E}"/>
+              </a:ext>
+            </a:extLst>
+          </p:cNvPr>
+          <p:cNvPicPr>
+            <a:picLocks noChangeAspect="1"/>
+          </p:cNvPicPr>
+          <p:nvPr/>
+        </p:nvPicPr>
+        <p:blipFill>
+          <a:blip r:embed="rId6">
+            <a:extLst>
+              <a:ext uri="{28A0092B-C50C-407E-A947-70E740481C1C}">
+                <a14:useLocalDpi xmlns:a14="http://schemas.microsoft.com/office/drawing/2010/main" val="0"/>
+              </a:ext>
+              <a:ext uri="{96DAC541-7B7A-43D3-8B79-37D633B846F1}">
+                <asvg:svgBlip xmlns:asvg="http://schemas.microsoft.com/office/drawing/2016/SVG/main" r:embed="rId7"/>
+              </a:ext>
+            </a:extLst>
+          </a:blip>
+          <a:srcRect/>
+          <a:stretch/>
+        </p:blipFill>
+        <p:spPr>
+          <a:xfrm>
+            <a:off x="5367830" y="224636"/>
+            <a:ext cx="1828800" cy="1828800"/>
+          </a:xfrm>
+          <a:prstGeom prst="rect">
+            <a:avLst/>
+          </a:prstGeom>
+        </p:spPr>
+      </p:pic>
+      <p:sp>
+        <p:nvSpPr>
+          <p:cNvPr id="12" name="Rectangle 11">
+            <a:extLst>
+              <a:ext uri="{FF2B5EF4-FFF2-40B4-BE49-F238E27FC236}">
+                <a16:creationId xmlns:a16="http://schemas.microsoft.com/office/drawing/2014/main" id="{E4E6132C-50C2-4D77-8C17-4320E4B5A315}"/>
+              </a:ext>
+            </a:extLst>
+          </p:cNvPr>
+          <p:cNvSpPr/>
+          <p:nvPr/>
+        </p:nvSpPr>
+        <p:spPr>
+          <a:xfrm>
+            <a:off x="392556" y="2529115"/>
+            <a:ext cx="1828800" cy="1828800"/>
+          </a:xfrm>
+          <a:prstGeom prst="rect">
+            <a:avLst/>
+          </a:prstGeom>
+          <a:solidFill>
+            <a:schemeClr val="accent4"/>
+          </a:solidFill>
+          <a:ln>
+            <a:noFill/>
+          </a:ln>
+        </p:spPr>
+        <p:style>
+          <a:lnRef idx="2">
+            <a:schemeClr val="accent1">
+              <a:shade val="50000"/>
+            </a:schemeClr>
+          </a:lnRef>
+          <a:fillRef idx="1">
+            <a:schemeClr val="accent1"/>
+          </a:fillRef>
+          <a:effectRef idx="0">
+            <a:schemeClr val="accent1"/>
+          </a:effectRef>
+          <a:fontRef idx="minor">
+            <a:schemeClr val="lt1"/>
+          </a:fontRef>
+        </p:style>
+        <p:txBody>
+          <a:bodyPr rtlCol="0" anchor="ctr"/>
+          <a:lstStyle/>
+          <a:p>
+            <a:pPr algn="ctr"/>
+            <a:endParaRPr lang="en-US"/>
+          </a:p>
+        </p:txBody>
+      </p:sp>
+      <p:pic>
+        <p:nvPicPr>
+          <p:cNvPr id="13" name="Graphic 12" descr="Online meeting with solid fill">
+            <a:extLst>
+              <a:ext uri="{FF2B5EF4-FFF2-40B4-BE49-F238E27FC236}">
+                <a16:creationId xmlns:a16="http://schemas.microsoft.com/office/drawing/2014/main" id="{4E3B15F1-6261-43E8-BB55-845E55C2B05C}"/>
+              </a:ext>
+            </a:extLst>
+          </p:cNvPr>
+          <p:cNvPicPr>
+            <a:picLocks noChangeAspect="1"/>
+          </p:cNvPicPr>
+          <p:nvPr/>
+        </p:nvPicPr>
+        <p:blipFill>
+          <a:blip r:embed="rId8">
+            <a:extLst>
+              <a:ext uri="{28A0092B-C50C-407E-A947-70E740481C1C}">
+                <a14:useLocalDpi xmlns:a14="http://schemas.microsoft.com/office/drawing/2010/main" val="0"/>
+              </a:ext>
+              <a:ext uri="{96DAC541-7B7A-43D3-8B79-37D633B846F1}">
+                <asvg:svgBlip xmlns:asvg="http://schemas.microsoft.com/office/drawing/2016/SVG/main" r:embed="rId9"/>
+              </a:ext>
+            </a:extLst>
+          </a:blip>
+          <a:srcRect/>
+          <a:stretch/>
+        </p:blipFill>
+        <p:spPr>
+          <a:xfrm>
+            <a:off x="392556" y="2514600"/>
+            <a:ext cx="1828800" cy="1828800"/>
+          </a:xfrm>
+          <a:prstGeom prst="rect">
+            <a:avLst/>
+          </a:prstGeom>
+        </p:spPr>
+      </p:pic>
+      <p:sp>
+        <p:nvSpPr>
+          <p:cNvPr id="14" name="Rectangle 13">
+            <a:extLst>
+              <a:ext uri="{FF2B5EF4-FFF2-40B4-BE49-F238E27FC236}">
+                <a16:creationId xmlns:a16="http://schemas.microsoft.com/office/drawing/2014/main" id="{CF8CC68D-34A3-4D82-9ECE-EA439997C47D}"/>
+              </a:ext>
+            </a:extLst>
+          </p:cNvPr>
+          <p:cNvSpPr/>
+          <p:nvPr/>
+        </p:nvSpPr>
+        <p:spPr>
+          <a:xfrm>
+            <a:off x="7855467" y="253666"/>
+            <a:ext cx="1828800" cy="1828800"/>
+          </a:xfrm>
+          <a:prstGeom prst="rect">
+            <a:avLst/>
+          </a:prstGeom>
+          <a:solidFill>
+            <a:schemeClr val="accent4"/>
+          </a:solidFill>
+          <a:ln>
+            <a:noFill/>
+          </a:ln>
+        </p:spPr>
+        <p:style>
+          <a:lnRef idx="2">
+            <a:schemeClr val="accent1">
+              <a:shade val="50000"/>
+            </a:schemeClr>
+          </a:lnRef>
+          <a:fillRef idx="1">
+            <a:schemeClr val="accent1"/>
+          </a:fillRef>
+          <a:effectRef idx="0">
+            <a:schemeClr val="accent1"/>
+          </a:effectRef>
+          <a:fontRef idx="minor">
+            <a:schemeClr val="lt1"/>
+          </a:fontRef>
+        </p:style>
+        <p:txBody>
+          <a:bodyPr rtlCol="0" anchor="ctr"/>
+          <a:lstStyle/>
+          <a:p>
+            <a:pPr algn="ctr"/>
+            <a:endParaRPr lang="en-US"/>
+          </a:p>
+        </p:txBody>
+      </p:sp>
+      <p:pic>
+        <p:nvPicPr>
+          <p:cNvPr id="15" name="Graphic 14" descr="Inbox Check with solid fill">
+            <a:extLst>
+              <a:ext uri="{FF2B5EF4-FFF2-40B4-BE49-F238E27FC236}">
+                <a16:creationId xmlns:a16="http://schemas.microsoft.com/office/drawing/2014/main" id="{DE499DA5-9BAE-4DE6-B8BA-C5B10F037FAA}"/>
+              </a:ext>
+            </a:extLst>
+          </p:cNvPr>
+          <p:cNvPicPr>
+            <a:picLocks noChangeAspect="1"/>
+          </p:cNvPicPr>
+          <p:nvPr/>
+        </p:nvPicPr>
+        <p:blipFill>
+          <a:blip r:embed="rId10">
+            <a:extLst>
+              <a:ext uri="{28A0092B-C50C-407E-A947-70E740481C1C}">
+                <a14:useLocalDpi xmlns:a14="http://schemas.microsoft.com/office/drawing/2010/main" val="0"/>
+              </a:ext>
+              <a:ext uri="{96DAC541-7B7A-43D3-8B79-37D633B846F1}">
+                <asvg:svgBlip xmlns:asvg="http://schemas.microsoft.com/office/drawing/2016/SVG/main" r:embed="rId11"/>
+              </a:ext>
+            </a:extLst>
+          </a:blip>
+          <a:srcRect/>
+          <a:stretch/>
+        </p:blipFill>
+        <p:spPr>
+          <a:xfrm>
+            <a:off x="7855467" y="239151"/>
+            <a:ext cx="1828800" cy="1828800"/>
+          </a:xfrm>
+          <a:prstGeom prst="rect">
+            <a:avLst/>
+          </a:prstGeom>
+        </p:spPr>
+      </p:pic>
+      <p:sp>
+        <p:nvSpPr>
+          <p:cNvPr id="16" name="Rectangle 15">
+            <a:extLst>
+              <a:ext uri="{FF2B5EF4-FFF2-40B4-BE49-F238E27FC236}">
+                <a16:creationId xmlns:a16="http://schemas.microsoft.com/office/drawing/2014/main" id="{544D9295-4973-447F-98CC-8CFA31A8FC8A}"/>
+              </a:ext>
+            </a:extLst>
+          </p:cNvPr>
+          <p:cNvSpPr/>
+          <p:nvPr/>
+        </p:nvSpPr>
+        <p:spPr>
+          <a:xfrm>
+            <a:off x="2880193" y="2514600"/>
+            <a:ext cx="1828800" cy="1828800"/>
+          </a:xfrm>
+          <a:prstGeom prst="rect">
+            <a:avLst/>
+          </a:prstGeom>
+          <a:solidFill>
+            <a:schemeClr val="accent4"/>
+          </a:solidFill>
+          <a:ln>
+            <a:noFill/>
+          </a:ln>
+        </p:spPr>
+        <p:style>
+          <a:lnRef idx="2">
+            <a:schemeClr val="accent1">
+              <a:shade val="50000"/>
+            </a:schemeClr>
+          </a:lnRef>
+          <a:fillRef idx="1">
+            <a:schemeClr val="accent1"/>
+          </a:fillRef>
+          <a:effectRef idx="0">
+            <a:schemeClr val="accent1"/>
+          </a:effectRef>
+          <a:fontRef idx="minor">
+            <a:schemeClr val="lt1"/>
+          </a:fontRef>
+        </p:style>
+        <p:txBody>
+          <a:bodyPr rtlCol="0" anchor="ctr"/>
+          <a:lstStyle/>
+          <a:p>
+            <a:pPr algn="ctr"/>
+            <a:endParaRPr lang="en-US"/>
+          </a:p>
+        </p:txBody>
+      </p:sp>
+      <p:pic>
+        <p:nvPicPr>
+          <p:cNvPr id="17" name="Graphic 16" descr="Chat bubble with solid fill">
+            <a:extLst>
+              <a:ext uri="{FF2B5EF4-FFF2-40B4-BE49-F238E27FC236}">
+                <a16:creationId xmlns:a16="http://schemas.microsoft.com/office/drawing/2014/main" id="{BC13E63B-1E12-4427-9F41-E3EFD6751F27}"/>
+              </a:ext>
+            </a:extLst>
+          </p:cNvPr>
+          <p:cNvPicPr>
+            <a:picLocks noChangeAspect="1"/>
+          </p:cNvPicPr>
+          <p:nvPr/>
+        </p:nvPicPr>
+        <p:blipFill>
+          <a:blip r:embed="rId12">
+            <a:extLst>
+              <a:ext uri="{28A0092B-C50C-407E-A947-70E740481C1C}">
+                <a14:useLocalDpi xmlns:a14="http://schemas.microsoft.com/office/drawing/2010/main" val="0"/>
+              </a:ext>
+              <a:ext uri="{96DAC541-7B7A-43D3-8B79-37D633B846F1}">
+                <asvg:svgBlip xmlns:asvg="http://schemas.microsoft.com/office/drawing/2016/SVG/main" r:embed="rId13"/>
+              </a:ext>
+            </a:extLst>
+          </a:blip>
+          <a:srcRect/>
+          <a:stretch/>
+        </p:blipFill>
+        <p:spPr>
+          <a:xfrm>
+            <a:off x="2880193" y="2500085"/>
+            <a:ext cx="1828800" cy="1828800"/>
+          </a:xfrm>
+          <a:prstGeom prst="rect">
+            <a:avLst/>
+          </a:prstGeom>
+        </p:spPr>
+      </p:pic>
+      <p:sp>
+        <p:nvSpPr>
+          <p:cNvPr id="18" name="Rectangle 17">
+            <a:extLst>
+              <a:ext uri="{FF2B5EF4-FFF2-40B4-BE49-F238E27FC236}">
+                <a16:creationId xmlns:a16="http://schemas.microsoft.com/office/drawing/2014/main" id="{27C8D249-9BD3-4389-9385-6EB78BBB563E}"/>
+              </a:ext>
+            </a:extLst>
+          </p:cNvPr>
+          <p:cNvSpPr/>
+          <p:nvPr/>
+        </p:nvSpPr>
+        <p:spPr>
+          <a:xfrm>
+            <a:off x="5367830" y="2500085"/>
+            <a:ext cx="1828800" cy="1828800"/>
+          </a:xfrm>
+          <a:prstGeom prst="rect">
+            <a:avLst/>
+          </a:prstGeom>
+          <a:solidFill>
+            <a:schemeClr val="accent4"/>
+          </a:solidFill>
+          <a:ln>
+            <a:noFill/>
+          </a:ln>
+        </p:spPr>
+        <p:style>
+          <a:lnRef idx="2">
+            <a:schemeClr val="accent1">
+              <a:shade val="50000"/>
+            </a:schemeClr>
+          </a:lnRef>
+          <a:fillRef idx="1">
+            <a:schemeClr val="accent1"/>
+          </a:fillRef>
+          <a:effectRef idx="0">
+            <a:schemeClr val="accent1"/>
+          </a:effectRef>
+          <a:fontRef idx="minor">
+            <a:schemeClr val="lt1"/>
+          </a:fontRef>
+        </p:style>
+        <p:txBody>
+          <a:bodyPr rtlCol="0" anchor="ctr"/>
+          <a:lstStyle/>
+          <a:p>
+            <a:pPr algn="ctr"/>
+            <a:endParaRPr lang="en-US"/>
+          </a:p>
+        </p:txBody>
+      </p:sp>
+      <p:pic>
+        <p:nvPicPr>
+          <p:cNvPr id="19" name="Graphic 18" descr="User with solid fill">
+            <a:extLst>
+              <a:ext uri="{FF2B5EF4-FFF2-40B4-BE49-F238E27FC236}">
+                <a16:creationId xmlns:a16="http://schemas.microsoft.com/office/drawing/2014/main" id="{82886F1A-3C4B-406F-B72B-3A622D316A3E}"/>
+              </a:ext>
+            </a:extLst>
+          </p:cNvPr>
+          <p:cNvPicPr>
+            <a:picLocks noChangeAspect="1"/>
+          </p:cNvPicPr>
+          <p:nvPr/>
+        </p:nvPicPr>
+        <p:blipFill>
+          <a:blip r:embed="rId14">
+            <a:extLst>
+              <a:ext uri="{28A0092B-C50C-407E-A947-70E740481C1C}">
+                <a14:useLocalDpi xmlns:a14="http://schemas.microsoft.com/office/drawing/2010/main" val="0"/>
+              </a:ext>
+              <a:ext uri="{96DAC541-7B7A-43D3-8B79-37D633B846F1}">
+                <asvg:svgBlip xmlns:asvg="http://schemas.microsoft.com/office/drawing/2016/SVG/main" r:embed="rId15"/>
+              </a:ext>
+            </a:extLst>
+          </a:blip>
+          <a:srcRect/>
+          <a:stretch/>
+        </p:blipFill>
+        <p:spPr>
+          <a:xfrm>
+            <a:off x="5367830" y="2485570"/>
+            <a:ext cx="1828800" cy="1828800"/>
+          </a:xfrm>
+          <a:prstGeom prst="rect">
+            <a:avLst/>
+          </a:prstGeom>
+        </p:spPr>
+      </p:pic>
+      <p:sp>
+        <p:nvSpPr>
+          <p:cNvPr id="20" name="Rectangle 19">
+            <a:extLst>
+              <a:ext uri="{FF2B5EF4-FFF2-40B4-BE49-F238E27FC236}">
+                <a16:creationId xmlns:a16="http://schemas.microsoft.com/office/drawing/2014/main" id="{EFA787FE-3F71-46B1-B0C8-5D7F6D993F7E}"/>
+              </a:ext>
+            </a:extLst>
+          </p:cNvPr>
+          <p:cNvSpPr/>
+          <p:nvPr/>
+        </p:nvSpPr>
+        <p:spPr>
+          <a:xfrm>
+            <a:off x="7855467" y="2485570"/>
+            <a:ext cx="1828800" cy="1828800"/>
+          </a:xfrm>
+          <a:prstGeom prst="rect">
+            <a:avLst/>
+          </a:prstGeom>
+          <a:solidFill>
+            <a:schemeClr val="accent4"/>
+          </a:solidFill>
+          <a:ln>
+            <a:noFill/>
+          </a:ln>
+        </p:spPr>
+        <p:style>
+          <a:lnRef idx="2">
+            <a:schemeClr val="accent1">
+              <a:shade val="50000"/>
+            </a:schemeClr>
+          </a:lnRef>
+          <a:fillRef idx="1">
+            <a:schemeClr val="accent1"/>
+          </a:fillRef>
+          <a:effectRef idx="0">
+            <a:schemeClr val="accent1"/>
+          </a:effectRef>
+          <a:fontRef idx="minor">
+            <a:schemeClr val="lt1"/>
+          </a:fontRef>
+        </p:style>
+        <p:txBody>
+          <a:bodyPr rtlCol="0" anchor="ctr"/>
+          <a:lstStyle/>
+          <a:p>
+            <a:pPr algn="ctr"/>
+            <a:endParaRPr lang="en-US"/>
+          </a:p>
+        </p:txBody>
+      </p:sp>
+      <p:pic>
+        <p:nvPicPr>
+          <p:cNvPr id="21" name="Graphic 20" descr="Add with solid fill">
+            <a:extLst>
+              <a:ext uri="{FF2B5EF4-FFF2-40B4-BE49-F238E27FC236}">
+                <a16:creationId xmlns:a16="http://schemas.microsoft.com/office/drawing/2014/main" id="{5DABBF1B-6155-42BA-A684-C3988A542D5E}"/>
+              </a:ext>
+            </a:extLst>
+          </p:cNvPr>
+          <p:cNvPicPr>
+            <a:picLocks noChangeAspect="1"/>
+          </p:cNvPicPr>
+          <p:nvPr/>
+        </p:nvPicPr>
+        <p:blipFill>
+          <a:blip r:embed="rId16">
+            <a:extLst>
+              <a:ext uri="{28A0092B-C50C-407E-A947-70E740481C1C}">
+                <a14:useLocalDpi xmlns:a14="http://schemas.microsoft.com/office/drawing/2010/main" val="0"/>
+              </a:ext>
+              <a:ext uri="{96DAC541-7B7A-43D3-8B79-37D633B846F1}">
+                <asvg:svgBlip xmlns:asvg="http://schemas.microsoft.com/office/drawing/2016/SVG/main" r:embed="rId17"/>
+              </a:ext>
+            </a:extLst>
+          </a:blip>
+          <a:srcRect/>
+          <a:stretch/>
+        </p:blipFill>
+        <p:spPr>
+          <a:xfrm>
+            <a:off x="7855467" y="2471055"/>
+            <a:ext cx="1828800" cy="1828800"/>
+          </a:xfrm>
+          <a:prstGeom prst="rect">
+            <a:avLst/>
+          </a:prstGeom>
+        </p:spPr>
+      </p:pic>
+      <p:sp>
+        <p:nvSpPr>
+          <p:cNvPr id="22" name="Rectangle 21">
+            <a:extLst>
+              <a:ext uri="{FF2B5EF4-FFF2-40B4-BE49-F238E27FC236}">
+                <a16:creationId xmlns:a16="http://schemas.microsoft.com/office/drawing/2014/main" id="{BFEEE284-5448-4299-9887-394C32C68941}"/>
+              </a:ext>
+            </a:extLst>
+          </p:cNvPr>
+          <p:cNvSpPr/>
+          <p:nvPr/>
+        </p:nvSpPr>
+        <p:spPr>
+          <a:xfrm>
+            <a:off x="10132089" y="2514600"/>
+            <a:ext cx="1828800" cy="1828800"/>
+          </a:xfrm>
+          <a:prstGeom prst="rect">
+            <a:avLst/>
+          </a:prstGeom>
+          <a:solidFill>
+            <a:schemeClr val="accent4"/>
+          </a:solidFill>
+          <a:ln>
+            <a:noFill/>
+          </a:ln>
+        </p:spPr>
+        <p:style>
+          <a:lnRef idx="2">
+            <a:schemeClr val="accent1">
+              <a:shade val="50000"/>
+            </a:schemeClr>
+          </a:lnRef>
+          <a:fillRef idx="1">
+            <a:schemeClr val="accent1"/>
+          </a:fillRef>
+          <a:effectRef idx="0">
+            <a:schemeClr val="accent1"/>
+          </a:effectRef>
+          <a:fontRef idx="minor">
+            <a:schemeClr val="lt1"/>
+          </a:fontRef>
+        </p:style>
+        <p:txBody>
+          <a:bodyPr rtlCol="0" anchor="ctr"/>
+          <a:lstStyle/>
+          <a:p>
+            <a:pPr algn="ctr"/>
+            <a:endParaRPr lang="en-US"/>
+          </a:p>
+        </p:txBody>
+      </p:sp>
+      <p:pic>
+        <p:nvPicPr>
+          <p:cNvPr id="23" name="Graphic 22" descr="Boardroom with solid fill">
+            <a:extLst>
+              <a:ext uri="{FF2B5EF4-FFF2-40B4-BE49-F238E27FC236}">
+                <a16:creationId xmlns:a16="http://schemas.microsoft.com/office/drawing/2014/main" id="{5551C9A8-27F6-441C-B486-73A3E4B025C1}"/>
+              </a:ext>
+            </a:extLst>
+          </p:cNvPr>
+          <p:cNvPicPr>
+            <a:picLocks noChangeAspect="1"/>
+          </p:cNvPicPr>
+          <p:nvPr/>
+        </p:nvPicPr>
+        <p:blipFill>
+          <a:blip r:embed="rId18">
+            <a:extLst>
+              <a:ext uri="{28A0092B-C50C-407E-A947-70E740481C1C}">
+                <a14:useLocalDpi xmlns:a14="http://schemas.microsoft.com/office/drawing/2010/main" val="0"/>
+              </a:ext>
+              <a:ext uri="{96DAC541-7B7A-43D3-8B79-37D633B846F1}">
+                <asvg:svgBlip xmlns:asvg="http://schemas.microsoft.com/office/drawing/2016/SVG/main" r:embed="rId19"/>
+              </a:ext>
+            </a:extLst>
+          </a:blip>
+          <a:srcRect/>
+          <a:stretch/>
+        </p:blipFill>
+        <p:spPr>
+          <a:xfrm>
+            <a:off x="10132089" y="2500085"/>
+            <a:ext cx="1828800" cy="1828800"/>
+          </a:xfrm>
+          <a:prstGeom prst="rect">
+            <a:avLst/>
+          </a:prstGeom>
+        </p:spPr>
+      </p:pic>
+      <p:sp>
+        <p:nvSpPr>
+          <p:cNvPr id="24" name="Rectangle 23">
+            <a:extLst>
+              <a:ext uri="{FF2B5EF4-FFF2-40B4-BE49-F238E27FC236}">
+                <a16:creationId xmlns:a16="http://schemas.microsoft.com/office/drawing/2014/main" id="{4F174F85-9906-495E-B226-420B007221A1}"/>
+              </a:ext>
+            </a:extLst>
+          </p:cNvPr>
+          <p:cNvSpPr/>
+          <p:nvPr/>
+        </p:nvSpPr>
+        <p:spPr>
+          <a:xfrm>
+            <a:off x="10132089" y="268181"/>
+            <a:ext cx="1828800" cy="1828800"/>
+          </a:xfrm>
+          <a:prstGeom prst="rect">
+            <a:avLst/>
+          </a:prstGeom>
+          <a:solidFill>
+            <a:schemeClr val="accent4"/>
+          </a:solidFill>
+          <a:ln>
+            <a:noFill/>
+          </a:ln>
+        </p:spPr>
+        <p:style>
+          <a:lnRef idx="2">
+            <a:schemeClr val="accent1">
+              <a:shade val="50000"/>
+            </a:schemeClr>
+          </a:lnRef>
+          <a:fillRef idx="1">
+            <a:schemeClr val="accent1"/>
+          </a:fillRef>
+          <a:effectRef idx="0">
+            <a:schemeClr val="accent1"/>
+          </a:effectRef>
+          <a:fontRef idx="minor">
+            <a:schemeClr val="lt1"/>
+          </a:fontRef>
+        </p:style>
+        <p:txBody>
+          <a:bodyPr rtlCol="0" anchor="ctr"/>
+          <a:lstStyle/>
+          <a:p>
+            <a:pPr algn="ctr"/>
+            <a:endParaRPr lang="en-US"/>
+          </a:p>
+        </p:txBody>
+      </p:sp>
+      <p:pic>
+        <p:nvPicPr>
+          <p:cNvPr id="25" name="Graphic 24" descr="Basic Shapes with solid fill">
+            <a:extLst>
+              <a:ext uri="{FF2B5EF4-FFF2-40B4-BE49-F238E27FC236}">
+                <a16:creationId xmlns:a16="http://schemas.microsoft.com/office/drawing/2014/main" id="{12E4EA60-5F2A-4B0A-8F5C-C9B69C481AE1}"/>
+              </a:ext>
+            </a:extLst>
+          </p:cNvPr>
+          <p:cNvPicPr>
+            <a:picLocks noChangeAspect="1"/>
+          </p:cNvPicPr>
+          <p:nvPr/>
+        </p:nvPicPr>
+        <p:blipFill>
+          <a:blip r:embed="rId20">
+            <a:extLst>
+              <a:ext uri="{28A0092B-C50C-407E-A947-70E740481C1C}">
+                <a14:useLocalDpi xmlns:a14="http://schemas.microsoft.com/office/drawing/2010/main" val="0"/>
+              </a:ext>
+              <a:ext uri="{96DAC541-7B7A-43D3-8B79-37D633B846F1}">
+                <asvg:svgBlip xmlns:asvg="http://schemas.microsoft.com/office/drawing/2016/SVG/main" r:embed="rId21"/>
+              </a:ext>
+            </a:extLst>
+          </a:blip>
+          <a:srcRect/>
+          <a:stretch/>
+        </p:blipFill>
+        <p:spPr>
+          <a:xfrm>
+            <a:off x="10132089" y="253666"/>
+            <a:ext cx="1828800" cy="1828800"/>
+          </a:xfrm>
+          <a:prstGeom prst="rect">
+            <a:avLst/>
+          </a:prstGeom>
+        </p:spPr>
+      </p:pic>
+      <p:sp>
+        <p:nvSpPr>
+          <p:cNvPr id="26" name="Rectangle 25">
+            <a:extLst>
+              <a:ext uri="{FF2B5EF4-FFF2-40B4-BE49-F238E27FC236}">
+                <a16:creationId xmlns:a16="http://schemas.microsoft.com/office/drawing/2014/main" id="{360C34D7-F280-450C-A407-0770C3C3AB47}"/>
+              </a:ext>
+            </a:extLst>
+          </p:cNvPr>
+          <p:cNvSpPr/>
+          <p:nvPr/>
+        </p:nvSpPr>
+        <p:spPr>
+          <a:xfrm>
+            <a:off x="10132089" y="4636477"/>
+            <a:ext cx="1828800" cy="1828800"/>
+          </a:xfrm>
+          <a:prstGeom prst="rect">
+            <a:avLst/>
+          </a:prstGeom>
+          <a:solidFill>
+            <a:schemeClr val="accent4"/>
+          </a:solidFill>
+          <a:ln>
+            <a:noFill/>
+          </a:ln>
+        </p:spPr>
+        <p:style>
+          <a:lnRef idx="2">
+            <a:schemeClr val="accent1">
+              <a:shade val="50000"/>
+            </a:schemeClr>
+          </a:lnRef>
+          <a:fillRef idx="1">
+            <a:schemeClr val="accent1"/>
+          </a:fillRef>
+          <a:effectRef idx="0">
+            <a:schemeClr val="accent1"/>
+          </a:effectRef>
+          <a:fontRef idx="minor">
+            <a:schemeClr val="lt1"/>
+          </a:fontRef>
+        </p:style>
+        <p:txBody>
+          <a:bodyPr rtlCol="0" anchor="ctr"/>
+          <a:lstStyle/>
+          <a:p>
+            <a:pPr algn="ctr"/>
+            <a:endParaRPr lang="en-US"/>
+          </a:p>
+        </p:txBody>
+      </p:sp>
+      <p:pic>
+        <p:nvPicPr>
+          <p:cNvPr id="27" name="Graphic 26" descr="Megaphone1 with solid fill">
+            <a:extLst>
+              <a:ext uri="{FF2B5EF4-FFF2-40B4-BE49-F238E27FC236}">
+                <a16:creationId xmlns:a16="http://schemas.microsoft.com/office/drawing/2014/main" id="{14F463C0-DAD2-4D5F-B652-19335EABF94D}"/>
+              </a:ext>
+            </a:extLst>
+          </p:cNvPr>
+          <p:cNvPicPr>
+            <a:picLocks noChangeAspect="1"/>
+          </p:cNvPicPr>
+          <p:nvPr/>
+        </p:nvPicPr>
+        <p:blipFill>
+          <a:blip r:embed="rId22">
+            <a:extLst>
+              <a:ext uri="{28A0092B-C50C-407E-A947-70E740481C1C}">
+                <a14:useLocalDpi xmlns:a14="http://schemas.microsoft.com/office/drawing/2010/main" val="0"/>
+              </a:ext>
+              <a:ext uri="{96DAC541-7B7A-43D3-8B79-37D633B846F1}">
+                <asvg:svgBlip xmlns:asvg="http://schemas.microsoft.com/office/drawing/2016/SVG/main" r:embed="rId23"/>
+              </a:ext>
+            </a:extLst>
+          </a:blip>
+          <a:srcRect/>
+          <a:stretch/>
+        </p:blipFill>
+        <p:spPr>
+          <a:xfrm>
+            <a:off x="10132089" y="4621962"/>
+            <a:ext cx="1828800" cy="1828800"/>
+          </a:xfrm>
+          <a:prstGeom prst="rect">
+            <a:avLst/>
+          </a:prstGeom>
+        </p:spPr>
+      </p:pic>
+      <p:sp>
+        <p:nvSpPr>
+          <p:cNvPr id="28" name="Rectangle 27">
+            <a:extLst>
+              <a:ext uri="{FF2B5EF4-FFF2-40B4-BE49-F238E27FC236}">
+                <a16:creationId xmlns:a16="http://schemas.microsoft.com/office/drawing/2014/main" id="{1A22766A-3BAD-406B-8BDB-5F60D2752A21}"/>
+              </a:ext>
+            </a:extLst>
+          </p:cNvPr>
+          <p:cNvSpPr/>
+          <p:nvPr/>
+        </p:nvSpPr>
+        <p:spPr>
+          <a:xfrm>
+            <a:off x="7855467" y="4702959"/>
+            <a:ext cx="1828800" cy="1828800"/>
+          </a:xfrm>
+          <a:prstGeom prst="rect">
+            <a:avLst/>
+          </a:prstGeom>
+          <a:solidFill>
+            <a:schemeClr val="accent4"/>
+          </a:solidFill>
+          <a:ln>
+            <a:noFill/>
+          </a:ln>
+        </p:spPr>
+        <p:style>
+          <a:lnRef idx="2">
+            <a:schemeClr val="accent1">
+              <a:shade val="50000"/>
+            </a:schemeClr>
+          </a:lnRef>
+          <a:fillRef idx="1">
+            <a:schemeClr val="accent1"/>
+          </a:fillRef>
+          <a:effectRef idx="0">
+            <a:schemeClr val="accent1"/>
+          </a:effectRef>
+          <a:fontRef idx="minor">
+            <a:schemeClr val="lt1"/>
+          </a:fontRef>
+        </p:style>
+        <p:txBody>
+          <a:bodyPr rtlCol="0" anchor="ctr"/>
+          <a:lstStyle/>
+          <a:p>
+            <a:pPr algn="ctr"/>
+            <a:endParaRPr lang="en-US"/>
+          </a:p>
+        </p:txBody>
+      </p:sp>
+      <p:pic>
+        <p:nvPicPr>
+          <p:cNvPr id="29" name="Graphic 28" descr="Users with solid fill">
+            <a:extLst>
+              <a:ext uri="{FF2B5EF4-FFF2-40B4-BE49-F238E27FC236}">
+                <a16:creationId xmlns:a16="http://schemas.microsoft.com/office/drawing/2014/main" id="{60D00C39-69F5-470C-BE61-0C6AA84C4BE8}"/>
+              </a:ext>
+            </a:extLst>
+          </p:cNvPr>
+          <p:cNvPicPr>
+            <a:picLocks noChangeAspect="1"/>
+          </p:cNvPicPr>
+          <p:nvPr/>
+        </p:nvPicPr>
+        <p:blipFill>
+          <a:blip r:embed="rId24">
+            <a:extLst>
+              <a:ext uri="{28A0092B-C50C-407E-A947-70E740481C1C}">
+                <a14:useLocalDpi xmlns:a14="http://schemas.microsoft.com/office/drawing/2010/main" val="0"/>
+              </a:ext>
+              <a:ext uri="{96DAC541-7B7A-43D3-8B79-37D633B846F1}">
+                <asvg:svgBlip xmlns:asvg="http://schemas.microsoft.com/office/drawing/2016/SVG/main" r:embed="rId25"/>
+              </a:ext>
+            </a:extLst>
+          </a:blip>
+          <a:srcRect/>
+          <a:stretch/>
+        </p:blipFill>
+        <p:spPr>
+          <a:xfrm>
+            <a:off x="7855467" y="4688444"/>
+            <a:ext cx="1828800" cy="1828800"/>
+          </a:xfrm>
+          <a:prstGeom prst="rect">
+            <a:avLst/>
+          </a:prstGeom>
+        </p:spPr>
+      </p:pic>
+      <p:sp>
+        <p:nvSpPr>
+          <p:cNvPr id="31" name="Rectangle 30">
+            <a:extLst>
+              <a:ext uri="{FF2B5EF4-FFF2-40B4-BE49-F238E27FC236}">
+                <a16:creationId xmlns:a16="http://schemas.microsoft.com/office/drawing/2014/main" id="{E5A561DD-A7CE-46FB-896A-81041D79A592}"/>
+              </a:ext>
+            </a:extLst>
+          </p:cNvPr>
+          <p:cNvSpPr/>
+          <p:nvPr/>
+        </p:nvSpPr>
+        <p:spPr>
+          <a:xfrm>
+            <a:off x="5367830" y="4650992"/>
+            <a:ext cx="1828800" cy="1828800"/>
+          </a:xfrm>
+          <a:prstGeom prst="rect">
+            <a:avLst/>
+          </a:prstGeom>
+          <a:solidFill>
+            <a:schemeClr val="accent4"/>
+          </a:solidFill>
+          <a:ln>
+            <a:noFill/>
+          </a:ln>
+        </p:spPr>
+        <p:style>
+          <a:lnRef idx="2">
+            <a:schemeClr val="accent1">
+              <a:shade val="50000"/>
+            </a:schemeClr>
+          </a:lnRef>
+          <a:fillRef idx="1">
+            <a:schemeClr val="accent1"/>
+          </a:fillRef>
+          <a:effectRef idx="0">
+            <a:schemeClr val="accent1"/>
+          </a:effectRef>
+          <a:fontRef idx="minor">
+            <a:schemeClr val="lt1"/>
+          </a:fontRef>
+        </p:style>
+        <p:txBody>
+          <a:bodyPr rtlCol="0" anchor="ctr"/>
+          <a:lstStyle/>
+          <a:p>
+            <a:pPr algn="ctr"/>
+            <a:endParaRPr lang="en-US"/>
+          </a:p>
+        </p:txBody>
+      </p:sp>
+      <p:pic>
+        <p:nvPicPr>
+          <p:cNvPr id="32" name="Graphic 31" descr="Map with pin with solid fill">
+            <a:extLst>
+              <a:ext uri="{FF2B5EF4-FFF2-40B4-BE49-F238E27FC236}">
+                <a16:creationId xmlns:a16="http://schemas.microsoft.com/office/drawing/2014/main" id="{42620611-417D-498C-8ADE-11FBAA248CC6}"/>
+              </a:ext>
+            </a:extLst>
+          </p:cNvPr>
+          <p:cNvPicPr>
+            <a:picLocks noChangeAspect="1"/>
+          </p:cNvPicPr>
+          <p:nvPr/>
+        </p:nvPicPr>
+        <p:blipFill>
+          <a:blip r:embed="rId26">
+            <a:extLst>
+              <a:ext uri="{28A0092B-C50C-407E-A947-70E740481C1C}">
+                <a14:useLocalDpi xmlns:a14="http://schemas.microsoft.com/office/drawing/2010/main" val="0"/>
+              </a:ext>
+              <a:ext uri="{96DAC541-7B7A-43D3-8B79-37D633B846F1}">
+                <asvg:svgBlip xmlns:asvg="http://schemas.microsoft.com/office/drawing/2016/SVG/main" r:embed="rId27"/>
+              </a:ext>
+            </a:extLst>
+          </a:blip>
+          <a:srcRect/>
+          <a:stretch/>
+        </p:blipFill>
+        <p:spPr>
+          <a:xfrm>
+            <a:off x="5367830" y="4636477"/>
+            <a:ext cx="1828800" cy="1828800"/>
+          </a:xfrm>
+          <a:prstGeom prst="rect">
+            <a:avLst/>
+          </a:prstGeom>
+        </p:spPr>
+      </p:pic>
+      <p:sp>
+        <p:nvSpPr>
+          <p:cNvPr id="33" name="Rectangle 32">
+            <a:extLst>
+              <a:ext uri="{FF2B5EF4-FFF2-40B4-BE49-F238E27FC236}">
+                <a16:creationId xmlns:a16="http://schemas.microsoft.com/office/drawing/2014/main" id="{8090F821-FB83-4C0A-90CB-2B2F1A0FDCE8}"/>
+              </a:ext>
+            </a:extLst>
+          </p:cNvPr>
+          <p:cNvSpPr/>
+          <p:nvPr/>
+        </p:nvSpPr>
+        <p:spPr>
+          <a:xfrm>
+            <a:off x="2985701" y="4665507"/>
+            <a:ext cx="1828800" cy="1828800"/>
+          </a:xfrm>
+          <a:prstGeom prst="rect">
+            <a:avLst/>
+          </a:prstGeom>
+          <a:solidFill>
+            <a:schemeClr val="accent4"/>
+          </a:solidFill>
+          <a:ln>
+            <a:noFill/>
+          </a:ln>
+        </p:spPr>
+        <p:style>
+          <a:lnRef idx="2">
+            <a:schemeClr val="accent1">
+              <a:shade val="50000"/>
+            </a:schemeClr>
+          </a:lnRef>
+          <a:fillRef idx="1">
+            <a:schemeClr val="accent1"/>
+          </a:fillRef>
+          <a:effectRef idx="0">
+            <a:schemeClr val="accent1"/>
+          </a:effectRef>
+          <a:fontRef idx="minor">
+            <a:schemeClr val="lt1"/>
+          </a:fontRef>
+        </p:style>
+        <p:txBody>
+          <a:bodyPr rtlCol="0" anchor="ctr"/>
+          <a:lstStyle/>
+          <a:p>
+            <a:pPr algn="ctr"/>
+            <a:endParaRPr lang="en-US"/>
+          </a:p>
+        </p:txBody>
+      </p:sp>
+      <p:pic>
+        <p:nvPicPr>
+          <p:cNvPr id="34" name="Graphic 33" descr="Sign language with solid fill">
+            <a:extLst>
+              <a:ext uri="{FF2B5EF4-FFF2-40B4-BE49-F238E27FC236}">
+                <a16:creationId xmlns:a16="http://schemas.microsoft.com/office/drawing/2014/main" id="{1CE7CCD9-073E-4BD4-A32C-8DB902200B92}"/>
+              </a:ext>
+            </a:extLst>
+          </p:cNvPr>
+          <p:cNvPicPr>
+            <a:picLocks noChangeAspect="1"/>
+          </p:cNvPicPr>
+          <p:nvPr/>
+        </p:nvPicPr>
+        <p:blipFill>
+          <a:blip r:embed="rId28">
+            <a:extLst>
+              <a:ext uri="{28A0092B-C50C-407E-A947-70E740481C1C}">
+                <a14:useLocalDpi xmlns:a14="http://schemas.microsoft.com/office/drawing/2010/main" val="0"/>
+              </a:ext>
+              <a:ext uri="{96DAC541-7B7A-43D3-8B79-37D633B846F1}">
+                <asvg:svgBlip xmlns:asvg="http://schemas.microsoft.com/office/drawing/2016/SVG/main" r:embed="rId29"/>
+              </a:ext>
+            </a:extLst>
+          </a:blip>
+          <a:srcRect/>
+          <a:stretch/>
+        </p:blipFill>
+        <p:spPr>
+          <a:xfrm>
+            <a:off x="2985701" y="4650992"/>
+            <a:ext cx="1828800" cy="1828800"/>
+          </a:xfrm>
+          <a:prstGeom prst="rect">
+            <a:avLst/>
+          </a:prstGeom>
+        </p:spPr>
+      </p:pic>
+      <p:sp>
+        <p:nvSpPr>
+          <p:cNvPr id="35" name="Rectangle 34">
+            <a:extLst>
+              <a:ext uri="{FF2B5EF4-FFF2-40B4-BE49-F238E27FC236}">
+                <a16:creationId xmlns:a16="http://schemas.microsoft.com/office/drawing/2014/main" id="{592A5177-8E3C-4211-BC7D-7B394118ED73}"/>
+              </a:ext>
+            </a:extLst>
+          </p:cNvPr>
+          <p:cNvSpPr/>
+          <p:nvPr/>
+        </p:nvSpPr>
+        <p:spPr>
+          <a:xfrm>
+            <a:off x="392556" y="4717474"/>
+            <a:ext cx="1828800" cy="1828800"/>
+          </a:xfrm>
+          <a:prstGeom prst="rect">
+            <a:avLst/>
+          </a:prstGeom>
+          <a:solidFill>
+            <a:schemeClr val="accent4"/>
+          </a:solidFill>
+          <a:ln>
+            <a:noFill/>
+          </a:ln>
+        </p:spPr>
+        <p:style>
+          <a:lnRef idx="2">
+            <a:schemeClr val="accent1">
+              <a:shade val="50000"/>
+            </a:schemeClr>
+          </a:lnRef>
+          <a:fillRef idx="1">
+            <a:schemeClr val="accent1"/>
+          </a:fillRef>
+          <a:effectRef idx="0">
+            <a:schemeClr val="accent1"/>
+          </a:effectRef>
+          <a:fontRef idx="minor">
+            <a:schemeClr val="lt1"/>
+          </a:fontRef>
+        </p:style>
+        <p:txBody>
+          <a:bodyPr rtlCol="0" anchor="ctr"/>
+          <a:lstStyle/>
+          <a:p>
+            <a:pPr algn="ctr"/>
+            <a:endParaRPr lang="en-US"/>
+          </a:p>
+        </p:txBody>
+      </p:sp>
+      <p:pic>
+        <p:nvPicPr>
+          <p:cNvPr id="36" name="Graphic 35" descr="Headphones with solid fill">
+            <a:extLst>
+              <a:ext uri="{FF2B5EF4-FFF2-40B4-BE49-F238E27FC236}">
+                <a16:creationId xmlns:a16="http://schemas.microsoft.com/office/drawing/2014/main" id="{DA364081-910C-4520-A9B2-53125E0CC4E8}"/>
+              </a:ext>
+            </a:extLst>
+          </p:cNvPr>
+          <p:cNvPicPr>
+            <a:picLocks noChangeAspect="1"/>
+          </p:cNvPicPr>
+          <p:nvPr/>
+        </p:nvPicPr>
+        <p:blipFill>
+          <a:blip r:embed="rId30">
+            <a:extLst>
+              <a:ext uri="{28A0092B-C50C-407E-A947-70E740481C1C}">
+                <a14:useLocalDpi xmlns:a14="http://schemas.microsoft.com/office/drawing/2010/main" val="0"/>
+              </a:ext>
+              <a:ext uri="{96DAC541-7B7A-43D3-8B79-37D633B846F1}">
+                <asvg:svgBlip xmlns:asvg="http://schemas.microsoft.com/office/drawing/2016/SVG/main" r:embed="rId31"/>
+              </a:ext>
+            </a:extLst>
+          </a:blip>
+          <a:srcRect/>
+          <a:stretch/>
+        </p:blipFill>
+        <p:spPr>
+          <a:xfrm>
+            <a:off x="392556" y="4702959"/>
+            <a:ext cx="1828800" cy="1828800"/>
+          </a:xfrm>
+          <a:prstGeom prst="rect">
+            <a:avLst/>
+          </a:prstGeom>
+        </p:spPr>
+      </p:pic>
+    </p:spTree>
+    <p:extLst>
+      <p:ext uri="{BB962C8B-B14F-4D97-AF65-F5344CB8AC3E}">
+        <p14:creationId xmlns:p14="http://schemas.microsoft.com/office/powerpoint/2010/main" val="2072505295"/>
+      </p:ext>
+    </p:extLst>
+  </p:cSld>
+  <p:clrMapOvr>
+    <a:masterClrMapping/>
+  </p:clrMapOvr>
+</p:sld>
+</file>
+
+<file path=ppt/slides/slide7.xml><?xml version="1.0" encoding="utf-8"?>
+<p:sld xmlns:a="http://schemas.openxmlformats.org/drawingml/2006/main" xmlns:r="http://schemas.openxmlformats.org/officeDocument/2006/relationships" xmlns:p="http://schemas.openxmlformats.org/presentationml/2006/main">
+  <p:cSld>
+    <p:spTree>
+      <p:nvGrpSpPr>
+        <p:cNvPr id="1" name=""/>
+        <p:cNvGrpSpPr/>
+        <p:nvPr/>
+      </p:nvGrpSpPr>
+      <p:grpSpPr>
+        <a:xfrm>
+          <a:off x="0" y="0"/>
+          <a:ext cx="0" cy="0"/>
+          <a:chOff x="0" y="0"/>
+          <a:chExt cx="0" cy="0"/>
+        </a:xfrm>
+      </p:grpSpPr>
+      <p:sp>
+        <p:nvSpPr>
+          <p:cNvPr id="6" name="Rectangle 5">
+            <a:extLst>
+              <a:ext uri="{FF2B5EF4-FFF2-40B4-BE49-F238E27FC236}">
+                <a16:creationId xmlns:a16="http://schemas.microsoft.com/office/drawing/2014/main" id="{006486F0-B1CB-4839-8273-E91BC8DCBACD}"/>
+              </a:ext>
+            </a:extLst>
+          </p:cNvPr>
+          <p:cNvSpPr/>
+          <p:nvPr/>
+        </p:nvSpPr>
+        <p:spPr>
+          <a:xfrm>
+            <a:off x="392556" y="224636"/>
+            <a:ext cx="1828800" cy="1828800"/>
+          </a:xfrm>
+          <a:prstGeom prst="rect">
+            <a:avLst/>
+          </a:prstGeom>
+          <a:solidFill>
             <a:schemeClr val="accent6"/>
           </a:solidFill>
           <a:ln>
@@ -11631,7 +12967,7 @@
 </p:sld>
 </file>
 
-<file path=ppt/slides/slide7.xml><?xml version="1.0" encoding="utf-8"?>
+<file path=ppt/slides/slide8.xml><?xml version="1.0" encoding="utf-8"?>
 <p:sld xmlns:a="http://schemas.openxmlformats.org/drawingml/2006/main" xmlns:r="http://schemas.openxmlformats.org/officeDocument/2006/relationships" xmlns:p="http://schemas.openxmlformats.org/presentationml/2006/main">
   <p:cSld>
     <p:spTree>
